--- a/Presentation/HostelManagement.pptx
+++ b/Presentation/HostelManagement.pptx
@@ -5,7 +5,7 @@
     <p:sldMasterId id="2147483669" r:id="rId1"/>
   </p:sldMasterIdLst>
   <p:notesMasterIdLst>
-    <p:notesMasterId r:id="rId11"/>
+    <p:notesMasterId r:id="rId18"/>
   </p:notesMasterIdLst>
   <p:sldIdLst>
     <p:sldId id="256" r:id="rId2"/>
@@ -15,8 +15,15 @@
     <p:sldId id="261" r:id="rId6"/>
     <p:sldId id="260" r:id="rId7"/>
     <p:sldId id="259" r:id="rId8"/>
-    <p:sldId id="263" r:id="rId9"/>
-    <p:sldId id="264" r:id="rId10"/>
+    <p:sldId id="265" r:id="rId9"/>
+    <p:sldId id="266" r:id="rId10"/>
+    <p:sldId id="263" r:id="rId11"/>
+    <p:sldId id="267" r:id="rId12"/>
+    <p:sldId id="268" r:id="rId13"/>
+    <p:sldId id="269" r:id="rId14"/>
+    <p:sldId id="270" r:id="rId15"/>
+    <p:sldId id="271" r:id="rId16"/>
+    <p:sldId id="264" r:id="rId17"/>
   </p:sldIdLst>
   <p:sldSz cx="12192000" cy="6858000"/>
   <p:notesSz cx="6858000" cy="9144000"/>
@@ -205,7 +212,7 @@
           <a:p>
             <a:fld id="{03E8574B-37BA-A94C-91E4-7FF91C17AF39}" type="datetimeFigureOut">
               <a:rPr lang="en-US" smtClean="0"/>
-              <a:t>7/24/19</a:t>
+              <a:t>8/3/19</a:t>
             </a:fld>
             <a:endParaRPr lang="en-US"/>
           </a:p>
@@ -973,7 +980,7 @@
           <a:p>
             <a:fld id="{D17F6A5D-D0AC-8347-9CC5-87F05FF1BCBA}" type="datetime1">
               <a:rPr lang="en-US" smtClean="0"/>
-              <a:t>7/24/19</a:t>
+              <a:t>8/3/19</a:t>
             </a:fld>
             <a:endParaRPr lang="en-US" dirty="0"/>
           </a:p>
@@ -1150,7 +1157,7 @@
           <a:p>
             <a:fld id="{F17A90C0-6ABF-B948-A545-64495F3815D4}" type="datetime1">
               <a:rPr lang="en-US" smtClean="0"/>
-              <a:t>7/24/19</a:t>
+              <a:t>8/3/19</a:t>
             </a:fld>
             <a:endParaRPr lang="en-US" dirty="0"/>
           </a:p>
@@ -1331,7 +1338,7 @@
           <a:p>
             <a:fld id="{C4419C62-26D2-4C4C-8E1A-6239FA8BBF47}" type="datetime1">
               <a:rPr lang="en-US" smtClean="0"/>
-              <a:t>7/24/19</a:t>
+              <a:t>8/3/19</a:t>
             </a:fld>
             <a:endParaRPr lang="en-US" dirty="0"/>
           </a:p>
@@ -1507,7 +1514,7 @@
           <a:p>
             <a:fld id="{E788A65C-FEA6-A045-AE15-27F0B17384F8}" type="datetime1">
               <a:rPr lang="en-US" smtClean="0"/>
-              <a:t>7/24/19</a:t>
+              <a:t>8/3/19</a:t>
             </a:fld>
             <a:endParaRPr lang="en-US" dirty="0"/>
           </a:p>
@@ -1677,7 +1684,7 @@
           <a:p>
             <a:fld id="{28EA088F-DE6D-9648-AE53-7EB4037BBD7E}" type="datetime1">
               <a:rPr lang="en-US" smtClean="0"/>
-              <a:t>7/24/19</a:t>
+              <a:t>8/3/19</a:t>
             </a:fld>
             <a:endParaRPr lang="en-US" dirty="0"/>
           </a:p>
@@ -1999,7 +2006,7 @@
           <a:p>
             <a:fld id="{A1B8BCF7-66F4-5449-ADEC-0DB855B65789}" type="datetime1">
               <a:rPr lang="en-US" smtClean="0"/>
-              <a:t>7/24/19</a:t>
+              <a:t>8/3/19</a:t>
             </a:fld>
             <a:endParaRPr lang="en-US" dirty="0"/>
           </a:p>
@@ -2459,7 +2466,7 @@
           <a:p>
             <a:fld id="{035BAD77-3851-D248-A1E1-4B6BFF305E5C}" type="datetime1">
               <a:rPr lang="en-US" smtClean="0"/>
-              <a:t>7/24/19</a:t>
+              <a:t>8/3/19</a:t>
             </a:fld>
             <a:endParaRPr lang="en-US" dirty="0"/>
           </a:p>
@@ -2871,7 +2878,7 @@
           <a:p>
             <a:fld id="{59246285-31E0-F04D-AD4A-6DD40164E017}" type="datetime1">
               <a:rPr lang="en-US" smtClean="0"/>
-              <a:t>7/24/19</a:t>
+              <a:t>8/3/19</a:t>
             </a:fld>
             <a:endParaRPr lang="en-US" dirty="0"/>
           </a:p>
@@ -2990,7 +2997,7 @@
           <a:p>
             <a:fld id="{85EFD97C-A23D-DD4B-B8D4-C3BD4B9F172D}" type="datetime1">
               <a:rPr lang="en-US" smtClean="0"/>
-              <a:t>7/24/19</a:t>
+              <a:t>8/3/19</a:t>
             </a:fld>
             <a:endParaRPr lang="en-US" dirty="0"/>
           </a:p>
@@ -3107,7 +3114,7 @@
           <a:p>
             <a:fld id="{0D6895E8-61DD-4447-A243-38F7FFAE739D}" type="datetime1">
               <a:rPr lang="en-US" smtClean="0"/>
-              <a:t>7/24/19</a:t>
+              <a:t>8/3/19</a:t>
             </a:fld>
             <a:endParaRPr lang="en-US" dirty="0"/>
           </a:p>
@@ -3465,7 +3472,7 @@
           <a:p>
             <a:fld id="{8FA276E9-80AB-2744-81F4-350FB866B9CA}" type="datetime1">
               <a:rPr lang="en-US" smtClean="0"/>
-              <a:t>7/24/19</a:t>
+              <a:t>8/3/19</a:t>
             </a:fld>
             <a:endParaRPr lang="en-US" dirty="0"/>
           </a:p>
@@ -3973,7 +3980,7 @@
           <a:p>
             <a:fld id="{67D48AE0-3787-DB46-9165-F1E294C70F70}" type="datetime1">
               <a:rPr lang="en-US" smtClean="0"/>
-              <a:t>7/24/19</a:t>
+              <a:t>8/3/19</a:t>
             </a:fld>
             <a:endParaRPr lang="en-US" dirty="0"/>
           </a:p>
@@ -4328,7 +4335,7 @@
           <a:p>
             <a:fld id="{0A9BE134-8BCE-F646-B432-DA904C80C96F}" type="datetime1">
               <a:rPr lang="en-US" smtClean="0"/>
-              <a:t>7/24/19</a:t>
+              <a:t>8/3/19</a:t>
             </a:fld>
             <a:endParaRPr lang="en-US" dirty="0"/>
           </a:p>
@@ -5078,6 +5085,1297 @@
 </p:sld>
 </file>
 
+<file path=ppt/slides/slide10.xml><?xml version="1.0" encoding="utf-8"?>
+<p:sld xmlns:a="http://schemas.openxmlformats.org/drawingml/2006/main" xmlns:r="http://schemas.openxmlformats.org/officeDocument/2006/relationships" xmlns:p="http://schemas.openxmlformats.org/presentationml/2006/main">
+  <p:cSld>
+    <p:spTree>
+      <p:nvGrpSpPr>
+        <p:cNvPr id="1" name=""/>
+        <p:cNvGrpSpPr/>
+        <p:nvPr/>
+      </p:nvGrpSpPr>
+      <p:grpSpPr>
+        <a:xfrm>
+          <a:off x="0" y="0"/>
+          <a:ext cx="0" cy="0"/>
+          <a:chOff x="0" y="0"/>
+          <a:chExt cx="0" cy="0"/>
+        </a:xfrm>
+      </p:grpSpPr>
+      <p:sp>
+        <p:nvSpPr>
+          <p:cNvPr id="2" name="Text Placeholder 1">
+            <a:extLst>
+              <a:ext uri="{FF2B5EF4-FFF2-40B4-BE49-F238E27FC236}">
+                <a16:creationId xmlns:a16="http://schemas.microsoft.com/office/drawing/2014/main" id="{E94DABF4-1A1C-C940-A7FB-2FD61ED0A8DF}"/>
+              </a:ext>
+            </a:extLst>
+          </p:cNvPr>
+          <p:cNvSpPr>
+            <a:spLocks noGrp="1"/>
+          </p:cNvSpPr>
+          <p:nvPr>
+            <p:ph type="body" idx="1"/>
+          </p:nvPr>
+        </p:nvSpPr>
+        <p:spPr/>
+        <p:txBody>
+          <a:bodyPr>
+            <a:normAutofit/>
+          </a:bodyPr>
+          <a:lstStyle/>
+          <a:p>
+            <a:r>
+              <a:rPr lang="en-US" sz="2400" dirty="0"/>
+              <a:t>ROOMS</a:t>
+            </a:r>
+          </a:p>
+        </p:txBody>
+      </p:sp>
+      <p:sp>
+        <p:nvSpPr>
+          <p:cNvPr id="3" name="Content Placeholder 2">
+            <a:extLst>
+              <a:ext uri="{FF2B5EF4-FFF2-40B4-BE49-F238E27FC236}">
+                <a16:creationId xmlns:a16="http://schemas.microsoft.com/office/drawing/2014/main" id="{F23ACF98-73C8-3740-B9B4-052395CE3DCB}"/>
+              </a:ext>
+            </a:extLst>
+          </p:cNvPr>
+          <p:cNvSpPr>
+            <a:spLocks noGrp="1"/>
+          </p:cNvSpPr>
+          <p:nvPr>
+            <p:ph sz="half" idx="2"/>
+          </p:nvPr>
+        </p:nvSpPr>
+        <p:spPr/>
+        <p:txBody>
+          <a:bodyPr/>
+          <a:lstStyle/>
+          <a:p>
+            <a:r>
+              <a:rPr lang="en-US" dirty="0"/>
+              <a:t>include checkboxes to record the presence of students</a:t>
+            </a:r>
+          </a:p>
+          <a:p>
+            <a:endParaRPr lang="en-US" dirty="0"/>
+          </a:p>
+          <a:p>
+            <a:r>
+              <a:rPr lang="en-US" dirty="0"/>
+              <a:t>P =&gt; present</a:t>
+            </a:r>
+          </a:p>
+          <a:p>
+            <a:r>
+              <a:rPr lang="en-US" dirty="0"/>
+              <a:t>L =&gt; late</a:t>
+            </a:r>
+          </a:p>
+          <a:p>
+            <a:r>
+              <a:rPr lang="en-US" dirty="0"/>
+              <a:t>A =&gt; absent</a:t>
+            </a:r>
+          </a:p>
+        </p:txBody>
+      </p:sp>
+      <p:sp>
+        <p:nvSpPr>
+          <p:cNvPr id="6" name="Slide Number Placeholder 5">
+            <a:extLst>
+              <a:ext uri="{FF2B5EF4-FFF2-40B4-BE49-F238E27FC236}">
+                <a16:creationId xmlns:a16="http://schemas.microsoft.com/office/drawing/2014/main" id="{BF41046A-3E65-0C4B-A737-46DA32861465}"/>
+              </a:ext>
+            </a:extLst>
+          </p:cNvPr>
+          <p:cNvSpPr>
+            <a:spLocks noGrp="1"/>
+          </p:cNvSpPr>
+          <p:nvPr>
+            <p:ph type="sldNum" sz="quarter" idx="12"/>
+          </p:nvPr>
+        </p:nvSpPr>
+        <p:spPr/>
+        <p:txBody>
+          <a:bodyPr/>
+          <a:lstStyle/>
+          <a:p>
+            <a:fld id="{6D22F896-40B5-4ADD-8801-0D06FADFA095}" type="slidenum">
+              <a:rPr lang="en-US" smtClean="0"/>
+              <a:pPr/>
+              <a:t>10</a:t>
+            </a:fld>
+            <a:endParaRPr lang="en-US" dirty="0"/>
+          </a:p>
+        </p:txBody>
+      </p:sp>
+      <p:sp>
+        <p:nvSpPr>
+          <p:cNvPr id="7" name="Title 6">
+            <a:extLst>
+              <a:ext uri="{FF2B5EF4-FFF2-40B4-BE49-F238E27FC236}">
+                <a16:creationId xmlns:a16="http://schemas.microsoft.com/office/drawing/2014/main" id="{D7AF6004-5A40-B34B-A3EF-BB84FBC63940}"/>
+              </a:ext>
+            </a:extLst>
+          </p:cNvPr>
+          <p:cNvSpPr>
+            <a:spLocks noGrp="1"/>
+          </p:cNvSpPr>
+          <p:nvPr>
+            <p:ph type="title"/>
+          </p:nvPr>
+        </p:nvSpPr>
+        <p:spPr>
+          <a:xfrm>
+            <a:off x="1066800" y="17653"/>
+            <a:ext cx="10058400" cy="1609344"/>
+          </a:xfrm>
+        </p:spPr>
+        <p:txBody>
+          <a:bodyPr/>
+          <a:lstStyle/>
+          <a:p>
+            <a:r>
+              <a:rPr lang="en-US" dirty="0"/>
+              <a:t>System user interface (admin)</a:t>
+            </a:r>
+          </a:p>
+        </p:txBody>
+      </p:sp>
+      <p:pic>
+        <p:nvPicPr>
+          <p:cNvPr id="5" name="Content Placeholder 4">
+            <a:extLst>
+              <a:ext uri="{FF2B5EF4-FFF2-40B4-BE49-F238E27FC236}">
+                <a16:creationId xmlns:a16="http://schemas.microsoft.com/office/drawing/2014/main" id="{5670D402-6A8C-5B4B-A19D-BE07F322EF87}"/>
+              </a:ext>
+            </a:extLst>
+          </p:cNvPr>
+          <p:cNvPicPr>
+            <a:picLocks noGrp="1" noChangeAspect="1"/>
+          </p:cNvPicPr>
+          <p:nvPr>
+            <p:ph sz="quarter" idx="4"/>
+          </p:nvPr>
+        </p:nvPicPr>
+        <p:blipFill>
+          <a:blip r:embed="rId2"/>
+          <a:stretch>
+            <a:fillRect/>
+          </a:stretch>
+        </p:blipFill>
+        <p:spPr>
+          <a:xfrm>
+            <a:off x="5630627" y="1361873"/>
+            <a:ext cx="6217661" cy="4757213"/>
+          </a:xfrm>
+        </p:spPr>
+      </p:pic>
+    </p:spTree>
+    <p:extLst>
+      <p:ext uri="{BB962C8B-B14F-4D97-AF65-F5344CB8AC3E}">
+        <p14:creationId xmlns:p14="http://schemas.microsoft.com/office/powerpoint/2010/main" val="3187580936"/>
+      </p:ext>
+    </p:extLst>
+  </p:cSld>
+  <p:clrMapOvr>
+    <a:masterClrMapping/>
+  </p:clrMapOvr>
+</p:sld>
+</file>
+
+<file path=ppt/slides/slide11.xml><?xml version="1.0" encoding="utf-8"?>
+<p:sld xmlns:a="http://schemas.openxmlformats.org/drawingml/2006/main" xmlns:r="http://schemas.openxmlformats.org/officeDocument/2006/relationships" xmlns:p="http://schemas.openxmlformats.org/presentationml/2006/main">
+  <p:cSld>
+    <p:spTree>
+      <p:nvGrpSpPr>
+        <p:cNvPr id="1" name=""/>
+        <p:cNvGrpSpPr/>
+        <p:nvPr/>
+      </p:nvGrpSpPr>
+      <p:grpSpPr>
+        <a:xfrm>
+          <a:off x="0" y="0"/>
+          <a:ext cx="0" cy="0"/>
+          <a:chOff x="0" y="0"/>
+          <a:chExt cx="0" cy="0"/>
+        </a:xfrm>
+      </p:grpSpPr>
+      <p:sp>
+        <p:nvSpPr>
+          <p:cNvPr id="2" name="Text Placeholder 1">
+            <a:extLst>
+              <a:ext uri="{FF2B5EF4-FFF2-40B4-BE49-F238E27FC236}">
+                <a16:creationId xmlns:a16="http://schemas.microsoft.com/office/drawing/2014/main" id="{E94DABF4-1A1C-C940-A7FB-2FD61ED0A8DF}"/>
+              </a:ext>
+            </a:extLst>
+          </p:cNvPr>
+          <p:cNvSpPr>
+            <a:spLocks noGrp="1"/>
+          </p:cNvSpPr>
+          <p:nvPr>
+            <p:ph type="body" idx="1"/>
+          </p:nvPr>
+        </p:nvSpPr>
+        <p:spPr/>
+        <p:txBody>
+          <a:bodyPr>
+            <a:normAutofit/>
+          </a:bodyPr>
+          <a:lstStyle/>
+          <a:p>
+            <a:r>
+              <a:rPr lang="en-US" sz="2400" dirty="0"/>
+              <a:t>Request Student 	</a:t>
+            </a:r>
+          </a:p>
+        </p:txBody>
+      </p:sp>
+      <p:sp>
+        <p:nvSpPr>
+          <p:cNvPr id="3" name="Content Placeholder 2">
+            <a:extLst>
+              <a:ext uri="{FF2B5EF4-FFF2-40B4-BE49-F238E27FC236}">
+                <a16:creationId xmlns:a16="http://schemas.microsoft.com/office/drawing/2014/main" id="{F23ACF98-73C8-3740-B9B4-052395CE3DCB}"/>
+              </a:ext>
+            </a:extLst>
+          </p:cNvPr>
+          <p:cNvSpPr>
+            <a:spLocks noGrp="1"/>
+          </p:cNvSpPr>
+          <p:nvPr>
+            <p:ph sz="half" idx="2"/>
+          </p:nvPr>
+        </p:nvSpPr>
+        <p:spPr/>
+        <p:txBody>
+          <a:bodyPr/>
+          <a:lstStyle/>
+          <a:p>
+            <a:pPr marL="0" indent="0">
+              <a:buNone/>
+            </a:pPr>
+            <a:r>
+              <a:rPr lang="en-US" dirty="0"/>
+              <a:t>First </a:t>
+            </a:r>
+          </a:p>
+          <a:p>
+            <a:r>
+              <a:rPr lang="en-US" dirty="0"/>
+              <a:t>Checks registered student details </a:t>
+            </a:r>
+          </a:p>
+          <a:p>
+            <a:r>
+              <a:rPr lang="en-US" dirty="0"/>
+              <a:t>And confirm room or remove </a:t>
+            </a:r>
+          </a:p>
+          <a:p>
+            <a:pPr marL="0" indent="0">
+              <a:buNone/>
+            </a:pPr>
+            <a:endParaRPr lang="en-US" dirty="0"/>
+          </a:p>
+        </p:txBody>
+      </p:sp>
+      <p:sp>
+        <p:nvSpPr>
+          <p:cNvPr id="6" name="Slide Number Placeholder 5">
+            <a:extLst>
+              <a:ext uri="{FF2B5EF4-FFF2-40B4-BE49-F238E27FC236}">
+                <a16:creationId xmlns:a16="http://schemas.microsoft.com/office/drawing/2014/main" id="{BF41046A-3E65-0C4B-A737-46DA32861465}"/>
+              </a:ext>
+            </a:extLst>
+          </p:cNvPr>
+          <p:cNvSpPr>
+            <a:spLocks noGrp="1"/>
+          </p:cNvSpPr>
+          <p:nvPr>
+            <p:ph type="sldNum" sz="quarter" idx="12"/>
+          </p:nvPr>
+        </p:nvSpPr>
+        <p:spPr/>
+        <p:txBody>
+          <a:bodyPr/>
+          <a:lstStyle/>
+          <a:p>
+            <a:fld id="{6D22F896-40B5-4ADD-8801-0D06FADFA095}" type="slidenum">
+              <a:rPr lang="en-US" smtClean="0"/>
+              <a:pPr/>
+              <a:t>11</a:t>
+            </a:fld>
+            <a:endParaRPr lang="en-US" dirty="0"/>
+          </a:p>
+        </p:txBody>
+      </p:sp>
+      <p:sp>
+        <p:nvSpPr>
+          <p:cNvPr id="7" name="Title 6">
+            <a:extLst>
+              <a:ext uri="{FF2B5EF4-FFF2-40B4-BE49-F238E27FC236}">
+                <a16:creationId xmlns:a16="http://schemas.microsoft.com/office/drawing/2014/main" id="{D7AF6004-5A40-B34B-A3EF-BB84FBC63940}"/>
+              </a:ext>
+            </a:extLst>
+          </p:cNvPr>
+          <p:cNvSpPr>
+            <a:spLocks noGrp="1"/>
+          </p:cNvSpPr>
+          <p:nvPr>
+            <p:ph type="title"/>
+          </p:nvPr>
+        </p:nvSpPr>
+        <p:spPr>
+          <a:xfrm>
+            <a:off x="1066800" y="17653"/>
+            <a:ext cx="10058400" cy="1609344"/>
+          </a:xfrm>
+        </p:spPr>
+        <p:txBody>
+          <a:bodyPr/>
+          <a:lstStyle/>
+          <a:p>
+            <a:r>
+              <a:rPr lang="en-US" dirty="0"/>
+              <a:t>System user interface (admin)</a:t>
+            </a:r>
+          </a:p>
+        </p:txBody>
+      </p:sp>
+      <p:pic>
+        <p:nvPicPr>
+          <p:cNvPr id="5" name="Content Placeholder 4">
+            <a:extLst>
+              <a:ext uri="{FF2B5EF4-FFF2-40B4-BE49-F238E27FC236}">
+                <a16:creationId xmlns:a16="http://schemas.microsoft.com/office/drawing/2014/main" id="{5670D402-6A8C-5B4B-A19D-BE07F322EF87}"/>
+              </a:ext>
+            </a:extLst>
+          </p:cNvPr>
+          <p:cNvPicPr>
+            <a:picLocks noGrp="1" noChangeAspect="1"/>
+          </p:cNvPicPr>
+          <p:nvPr>
+            <p:ph sz="quarter" idx="4"/>
+          </p:nvPr>
+        </p:nvPicPr>
+        <p:blipFill>
+          <a:blip r:embed="rId2"/>
+          <a:srcRect/>
+          <a:stretch/>
+        </p:blipFill>
+        <p:spPr>
+          <a:xfrm>
+            <a:off x="5950726" y="2420436"/>
+            <a:ext cx="5903206" cy="2319128"/>
+          </a:xfrm>
+        </p:spPr>
+      </p:pic>
+    </p:spTree>
+    <p:extLst>
+      <p:ext uri="{BB962C8B-B14F-4D97-AF65-F5344CB8AC3E}">
+        <p14:creationId xmlns:p14="http://schemas.microsoft.com/office/powerpoint/2010/main" val="4038459221"/>
+      </p:ext>
+    </p:extLst>
+  </p:cSld>
+  <p:clrMapOvr>
+    <a:masterClrMapping/>
+  </p:clrMapOvr>
+</p:sld>
+</file>
+
+<file path=ppt/slides/slide12.xml><?xml version="1.0" encoding="utf-8"?>
+<p:sld xmlns:a="http://schemas.openxmlformats.org/drawingml/2006/main" xmlns:r="http://schemas.openxmlformats.org/officeDocument/2006/relationships" xmlns:p="http://schemas.openxmlformats.org/presentationml/2006/main">
+  <p:cSld>
+    <p:spTree>
+      <p:nvGrpSpPr>
+        <p:cNvPr id="1" name=""/>
+        <p:cNvGrpSpPr/>
+        <p:nvPr/>
+      </p:nvGrpSpPr>
+      <p:grpSpPr>
+        <a:xfrm>
+          <a:off x="0" y="0"/>
+          <a:ext cx="0" cy="0"/>
+          <a:chOff x="0" y="0"/>
+          <a:chExt cx="0" cy="0"/>
+        </a:xfrm>
+      </p:grpSpPr>
+      <p:sp>
+        <p:nvSpPr>
+          <p:cNvPr id="2" name="Text Placeholder 1">
+            <a:extLst>
+              <a:ext uri="{FF2B5EF4-FFF2-40B4-BE49-F238E27FC236}">
+                <a16:creationId xmlns:a16="http://schemas.microsoft.com/office/drawing/2014/main" id="{E94DABF4-1A1C-C940-A7FB-2FD61ED0A8DF}"/>
+              </a:ext>
+            </a:extLst>
+          </p:cNvPr>
+          <p:cNvSpPr>
+            <a:spLocks noGrp="1"/>
+          </p:cNvSpPr>
+          <p:nvPr>
+            <p:ph type="body" idx="1"/>
+          </p:nvPr>
+        </p:nvSpPr>
+        <p:spPr/>
+        <p:txBody>
+          <a:bodyPr>
+            <a:normAutofit/>
+          </a:bodyPr>
+          <a:lstStyle/>
+          <a:p>
+            <a:r>
+              <a:rPr lang="en-US" sz="2400" dirty="0"/>
+              <a:t>Request Student 	</a:t>
+            </a:r>
+          </a:p>
+        </p:txBody>
+      </p:sp>
+      <p:sp>
+        <p:nvSpPr>
+          <p:cNvPr id="3" name="Content Placeholder 2">
+            <a:extLst>
+              <a:ext uri="{FF2B5EF4-FFF2-40B4-BE49-F238E27FC236}">
+                <a16:creationId xmlns:a16="http://schemas.microsoft.com/office/drawing/2014/main" id="{F23ACF98-73C8-3740-B9B4-052395CE3DCB}"/>
+              </a:ext>
+            </a:extLst>
+          </p:cNvPr>
+          <p:cNvSpPr>
+            <a:spLocks noGrp="1"/>
+          </p:cNvSpPr>
+          <p:nvPr>
+            <p:ph sz="half" idx="2"/>
+          </p:nvPr>
+        </p:nvSpPr>
+        <p:spPr/>
+        <p:txBody>
+          <a:bodyPr/>
+          <a:lstStyle/>
+          <a:p>
+            <a:pPr marL="0" indent="0">
+              <a:buNone/>
+            </a:pPr>
+            <a:r>
+              <a:rPr lang="en-US" dirty="0"/>
+              <a:t>Second </a:t>
+            </a:r>
+          </a:p>
+          <a:p>
+            <a:r>
+              <a:rPr lang="en-US" dirty="0"/>
+              <a:t>View All Student Data </a:t>
+            </a:r>
+          </a:p>
+          <a:p>
+            <a:r>
+              <a:rPr lang="en-US" dirty="0"/>
+              <a:t>Confirm Room </a:t>
+            </a:r>
+          </a:p>
+          <a:p>
+            <a:pPr marL="0" indent="0">
+              <a:buNone/>
+            </a:pPr>
+            <a:endParaRPr lang="en-US" dirty="0"/>
+          </a:p>
+        </p:txBody>
+      </p:sp>
+      <p:sp>
+        <p:nvSpPr>
+          <p:cNvPr id="6" name="Slide Number Placeholder 5">
+            <a:extLst>
+              <a:ext uri="{FF2B5EF4-FFF2-40B4-BE49-F238E27FC236}">
+                <a16:creationId xmlns:a16="http://schemas.microsoft.com/office/drawing/2014/main" id="{BF41046A-3E65-0C4B-A737-46DA32861465}"/>
+              </a:ext>
+            </a:extLst>
+          </p:cNvPr>
+          <p:cNvSpPr>
+            <a:spLocks noGrp="1"/>
+          </p:cNvSpPr>
+          <p:nvPr>
+            <p:ph type="sldNum" sz="quarter" idx="12"/>
+          </p:nvPr>
+        </p:nvSpPr>
+        <p:spPr/>
+        <p:txBody>
+          <a:bodyPr/>
+          <a:lstStyle/>
+          <a:p>
+            <a:fld id="{6D22F896-40B5-4ADD-8801-0D06FADFA095}" type="slidenum">
+              <a:rPr lang="en-US" smtClean="0"/>
+              <a:pPr/>
+              <a:t>12</a:t>
+            </a:fld>
+            <a:endParaRPr lang="en-US" dirty="0"/>
+          </a:p>
+        </p:txBody>
+      </p:sp>
+      <p:sp>
+        <p:nvSpPr>
+          <p:cNvPr id="7" name="Title 6">
+            <a:extLst>
+              <a:ext uri="{FF2B5EF4-FFF2-40B4-BE49-F238E27FC236}">
+                <a16:creationId xmlns:a16="http://schemas.microsoft.com/office/drawing/2014/main" id="{D7AF6004-5A40-B34B-A3EF-BB84FBC63940}"/>
+              </a:ext>
+            </a:extLst>
+          </p:cNvPr>
+          <p:cNvSpPr>
+            <a:spLocks noGrp="1"/>
+          </p:cNvSpPr>
+          <p:nvPr>
+            <p:ph type="title"/>
+          </p:nvPr>
+        </p:nvSpPr>
+        <p:spPr>
+          <a:xfrm>
+            <a:off x="1066800" y="17653"/>
+            <a:ext cx="10058400" cy="1609344"/>
+          </a:xfrm>
+        </p:spPr>
+        <p:txBody>
+          <a:bodyPr/>
+          <a:lstStyle/>
+          <a:p>
+            <a:r>
+              <a:rPr lang="en-US" dirty="0"/>
+              <a:t>System user interface (admin)</a:t>
+            </a:r>
+          </a:p>
+        </p:txBody>
+      </p:sp>
+      <p:pic>
+        <p:nvPicPr>
+          <p:cNvPr id="5" name="Content Placeholder 4">
+            <a:extLst>
+              <a:ext uri="{FF2B5EF4-FFF2-40B4-BE49-F238E27FC236}">
+                <a16:creationId xmlns:a16="http://schemas.microsoft.com/office/drawing/2014/main" id="{5670D402-6A8C-5B4B-A19D-BE07F322EF87}"/>
+              </a:ext>
+            </a:extLst>
+          </p:cNvPr>
+          <p:cNvPicPr>
+            <a:picLocks noGrp="1" noChangeAspect="1"/>
+          </p:cNvPicPr>
+          <p:nvPr>
+            <p:ph sz="quarter" idx="4"/>
+          </p:nvPr>
+        </p:nvPicPr>
+        <p:blipFill>
+          <a:blip r:embed="rId2"/>
+          <a:srcRect/>
+          <a:stretch/>
+        </p:blipFill>
+        <p:spPr>
+          <a:xfrm>
+            <a:off x="5153508" y="1274323"/>
+            <a:ext cx="6797700" cy="4929538"/>
+          </a:xfrm>
+        </p:spPr>
+      </p:pic>
+    </p:spTree>
+    <p:extLst>
+      <p:ext uri="{BB962C8B-B14F-4D97-AF65-F5344CB8AC3E}">
+        <p14:creationId xmlns:p14="http://schemas.microsoft.com/office/powerpoint/2010/main" val="861848155"/>
+      </p:ext>
+    </p:extLst>
+  </p:cSld>
+  <p:clrMapOvr>
+    <a:masterClrMapping/>
+  </p:clrMapOvr>
+</p:sld>
+</file>
+
+<file path=ppt/slides/slide13.xml><?xml version="1.0" encoding="utf-8"?>
+<p:sld xmlns:a="http://schemas.openxmlformats.org/drawingml/2006/main" xmlns:r="http://schemas.openxmlformats.org/officeDocument/2006/relationships" xmlns:p="http://schemas.openxmlformats.org/presentationml/2006/main">
+  <p:cSld>
+    <p:spTree>
+      <p:nvGrpSpPr>
+        <p:cNvPr id="1" name=""/>
+        <p:cNvGrpSpPr/>
+        <p:nvPr/>
+      </p:nvGrpSpPr>
+      <p:grpSpPr>
+        <a:xfrm>
+          <a:off x="0" y="0"/>
+          <a:ext cx="0" cy="0"/>
+          <a:chOff x="0" y="0"/>
+          <a:chExt cx="0" cy="0"/>
+        </a:xfrm>
+      </p:grpSpPr>
+      <p:sp>
+        <p:nvSpPr>
+          <p:cNvPr id="2" name="Text Placeholder 1">
+            <a:extLst>
+              <a:ext uri="{FF2B5EF4-FFF2-40B4-BE49-F238E27FC236}">
+                <a16:creationId xmlns:a16="http://schemas.microsoft.com/office/drawing/2014/main" id="{E94DABF4-1A1C-C940-A7FB-2FD61ED0A8DF}"/>
+              </a:ext>
+            </a:extLst>
+          </p:cNvPr>
+          <p:cNvSpPr>
+            <a:spLocks noGrp="1"/>
+          </p:cNvSpPr>
+          <p:nvPr>
+            <p:ph type="body" idx="1"/>
+          </p:nvPr>
+        </p:nvSpPr>
+        <p:spPr/>
+        <p:txBody>
+          <a:bodyPr>
+            <a:normAutofit/>
+          </a:bodyPr>
+          <a:lstStyle/>
+          <a:p>
+            <a:r>
+              <a:rPr lang="en-US" sz="2400" dirty="0"/>
+              <a:t>Bill Management </a:t>
+            </a:r>
+          </a:p>
+        </p:txBody>
+      </p:sp>
+      <p:sp>
+        <p:nvSpPr>
+          <p:cNvPr id="3" name="Content Placeholder 2">
+            <a:extLst>
+              <a:ext uri="{FF2B5EF4-FFF2-40B4-BE49-F238E27FC236}">
+                <a16:creationId xmlns:a16="http://schemas.microsoft.com/office/drawing/2014/main" id="{F23ACF98-73C8-3740-B9B4-052395CE3DCB}"/>
+              </a:ext>
+            </a:extLst>
+          </p:cNvPr>
+          <p:cNvSpPr>
+            <a:spLocks noGrp="1"/>
+          </p:cNvSpPr>
+          <p:nvPr>
+            <p:ph sz="half" idx="2"/>
+          </p:nvPr>
+        </p:nvSpPr>
+        <p:spPr/>
+        <p:txBody>
+          <a:bodyPr/>
+          <a:lstStyle/>
+          <a:p>
+            <a:r>
+              <a:rPr lang="en-US" dirty="0"/>
+              <a:t>Manage Bill for Student </a:t>
+            </a:r>
+          </a:p>
+        </p:txBody>
+      </p:sp>
+      <p:sp>
+        <p:nvSpPr>
+          <p:cNvPr id="6" name="Slide Number Placeholder 5">
+            <a:extLst>
+              <a:ext uri="{FF2B5EF4-FFF2-40B4-BE49-F238E27FC236}">
+                <a16:creationId xmlns:a16="http://schemas.microsoft.com/office/drawing/2014/main" id="{BF41046A-3E65-0C4B-A737-46DA32861465}"/>
+              </a:ext>
+            </a:extLst>
+          </p:cNvPr>
+          <p:cNvSpPr>
+            <a:spLocks noGrp="1"/>
+          </p:cNvSpPr>
+          <p:nvPr>
+            <p:ph type="sldNum" sz="quarter" idx="12"/>
+          </p:nvPr>
+        </p:nvSpPr>
+        <p:spPr/>
+        <p:txBody>
+          <a:bodyPr/>
+          <a:lstStyle/>
+          <a:p>
+            <a:fld id="{6D22F896-40B5-4ADD-8801-0D06FADFA095}" type="slidenum">
+              <a:rPr lang="en-US" smtClean="0"/>
+              <a:pPr/>
+              <a:t>13</a:t>
+            </a:fld>
+            <a:endParaRPr lang="en-US" dirty="0"/>
+          </a:p>
+        </p:txBody>
+      </p:sp>
+      <p:sp>
+        <p:nvSpPr>
+          <p:cNvPr id="7" name="Title 6">
+            <a:extLst>
+              <a:ext uri="{FF2B5EF4-FFF2-40B4-BE49-F238E27FC236}">
+                <a16:creationId xmlns:a16="http://schemas.microsoft.com/office/drawing/2014/main" id="{D7AF6004-5A40-B34B-A3EF-BB84FBC63940}"/>
+              </a:ext>
+            </a:extLst>
+          </p:cNvPr>
+          <p:cNvSpPr>
+            <a:spLocks noGrp="1"/>
+          </p:cNvSpPr>
+          <p:nvPr>
+            <p:ph type="title"/>
+          </p:nvPr>
+        </p:nvSpPr>
+        <p:spPr>
+          <a:xfrm>
+            <a:off x="1066800" y="17653"/>
+            <a:ext cx="10058400" cy="1609344"/>
+          </a:xfrm>
+        </p:spPr>
+        <p:txBody>
+          <a:bodyPr/>
+          <a:lstStyle/>
+          <a:p>
+            <a:r>
+              <a:rPr lang="en-US" dirty="0"/>
+              <a:t>System user interface (admin)</a:t>
+            </a:r>
+          </a:p>
+        </p:txBody>
+      </p:sp>
+      <p:pic>
+        <p:nvPicPr>
+          <p:cNvPr id="5" name="Content Placeholder 4">
+            <a:extLst>
+              <a:ext uri="{FF2B5EF4-FFF2-40B4-BE49-F238E27FC236}">
+                <a16:creationId xmlns:a16="http://schemas.microsoft.com/office/drawing/2014/main" id="{5670D402-6A8C-5B4B-A19D-BE07F322EF87}"/>
+              </a:ext>
+            </a:extLst>
+          </p:cNvPr>
+          <p:cNvPicPr>
+            <a:picLocks noGrp="1" noChangeAspect="1"/>
+          </p:cNvPicPr>
+          <p:nvPr>
+            <p:ph sz="quarter" idx="4"/>
+          </p:nvPr>
+        </p:nvPicPr>
+        <p:blipFill>
+          <a:blip r:embed="rId2"/>
+          <a:srcRect/>
+          <a:stretch/>
+        </p:blipFill>
+        <p:spPr>
+          <a:xfrm>
+            <a:off x="5422780" y="1343246"/>
+            <a:ext cx="5888348" cy="4929538"/>
+          </a:xfrm>
+        </p:spPr>
+      </p:pic>
+    </p:spTree>
+    <p:extLst>
+      <p:ext uri="{BB962C8B-B14F-4D97-AF65-F5344CB8AC3E}">
+        <p14:creationId xmlns:p14="http://schemas.microsoft.com/office/powerpoint/2010/main" val="3890058754"/>
+      </p:ext>
+    </p:extLst>
+  </p:cSld>
+  <p:clrMapOvr>
+    <a:masterClrMapping/>
+  </p:clrMapOvr>
+</p:sld>
+</file>
+
+<file path=ppt/slides/slide14.xml><?xml version="1.0" encoding="utf-8"?>
+<p:sld xmlns:a="http://schemas.openxmlformats.org/drawingml/2006/main" xmlns:r="http://schemas.openxmlformats.org/officeDocument/2006/relationships" xmlns:p="http://schemas.openxmlformats.org/presentationml/2006/main">
+  <p:cSld>
+    <p:spTree>
+      <p:nvGrpSpPr>
+        <p:cNvPr id="1" name=""/>
+        <p:cNvGrpSpPr/>
+        <p:nvPr/>
+      </p:nvGrpSpPr>
+      <p:grpSpPr>
+        <a:xfrm>
+          <a:off x="0" y="0"/>
+          <a:ext cx="0" cy="0"/>
+          <a:chOff x="0" y="0"/>
+          <a:chExt cx="0" cy="0"/>
+        </a:xfrm>
+      </p:grpSpPr>
+      <p:sp>
+        <p:nvSpPr>
+          <p:cNvPr id="2" name="Text Placeholder 1">
+            <a:extLst>
+              <a:ext uri="{FF2B5EF4-FFF2-40B4-BE49-F238E27FC236}">
+                <a16:creationId xmlns:a16="http://schemas.microsoft.com/office/drawing/2014/main" id="{E94DABF4-1A1C-C940-A7FB-2FD61ED0A8DF}"/>
+              </a:ext>
+            </a:extLst>
+          </p:cNvPr>
+          <p:cNvSpPr>
+            <a:spLocks noGrp="1"/>
+          </p:cNvSpPr>
+          <p:nvPr>
+            <p:ph type="body" idx="1"/>
+          </p:nvPr>
+        </p:nvSpPr>
+        <p:spPr/>
+        <p:txBody>
+          <a:bodyPr>
+            <a:normAutofit/>
+          </a:bodyPr>
+          <a:lstStyle/>
+          <a:p>
+            <a:r>
+              <a:rPr lang="en-US" sz="2400" dirty="0"/>
+              <a:t>Student Data</a:t>
+            </a:r>
+          </a:p>
+        </p:txBody>
+      </p:sp>
+      <p:sp>
+        <p:nvSpPr>
+          <p:cNvPr id="3" name="Content Placeholder 2">
+            <a:extLst>
+              <a:ext uri="{FF2B5EF4-FFF2-40B4-BE49-F238E27FC236}">
+                <a16:creationId xmlns:a16="http://schemas.microsoft.com/office/drawing/2014/main" id="{F23ACF98-73C8-3740-B9B4-052395CE3DCB}"/>
+              </a:ext>
+            </a:extLst>
+          </p:cNvPr>
+          <p:cNvSpPr>
+            <a:spLocks noGrp="1"/>
+          </p:cNvSpPr>
+          <p:nvPr>
+            <p:ph sz="half" idx="2"/>
+          </p:nvPr>
+        </p:nvSpPr>
+        <p:spPr/>
+        <p:txBody>
+          <a:bodyPr/>
+          <a:lstStyle/>
+          <a:p>
+            <a:r>
+              <a:rPr lang="en-US" dirty="0"/>
+              <a:t>Manage Student in Hostel </a:t>
+            </a:r>
+          </a:p>
+          <a:p>
+            <a:endParaRPr lang="en-US" dirty="0"/>
+          </a:p>
+          <a:p>
+            <a:r>
+              <a:rPr lang="en-US" dirty="0"/>
+              <a:t>Can update student data </a:t>
+            </a:r>
+          </a:p>
+        </p:txBody>
+      </p:sp>
+      <p:sp>
+        <p:nvSpPr>
+          <p:cNvPr id="6" name="Slide Number Placeholder 5">
+            <a:extLst>
+              <a:ext uri="{FF2B5EF4-FFF2-40B4-BE49-F238E27FC236}">
+                <a16:creationId xmlns:a16="http://schemas.microsoft.com/office/drawing/2014/main" id="{BF41046A-3E65-0C4B-A737-46DA32861465}"/>
+              </a:ext>
+            </a:extLst>
+          </p:cNvPr>
+          <p:cNvSpPr>
+            <a:spLocks noGrp="1"/>
+          </p:cNvSpPr>
+          <p:nvPr>
+            <p:ph type="sldNum" sz="quarter" idx="12"/>
+          </p:nvPr>
+        </p:nvSpPr>
+        <p:spPr/>
+        <p:txBody>
+          <a:bodyPr/>
+          <a:lstStyle/>
+          <a:p>
+            <a:fld id="{6D22F896-40B5-4ADD-8801-0D06FADFA095}" type="slidenum">
+              <a:rPr lang="en-US" smtClean="0"/>
+              <a:pPr/>
+              <a:t>14</a:t>
+            </a:fld>
+            <a:endParaRPr lang="en-US" dirty="0"/>
+          </a:p>
+        </p:txBody>
+      </p:sp>
+      <p:sp>
+        <p:nvSpPr>
+          <p:cNvPr id="7" name="Title 6">
+            <a:extLst>
+              <a:ext uri="{FF2B5EF4-FFF2-40B4-BE49-F238E27FC236}">
+                <a16:creationId xmlns:a16="http://schemas.microsoft.com/office/drawing/2014/main" id="{D7AF6004-5A40-B34B-A3EF-BB84FBC63940}"/>
+              </a:ext>
+            </a:extLst>
+          </p:cNvPr>
+          <p:cNvSpPr>
+            <a:spLocks noGrp="1"/>
+          </p:cNvSpPr>
+          <p:nvPr>
+            <p:ph type="title"/>
+          </p:nvPr>
+        </p:nvSpPr>
+        <p:spPr>
+          <a:xfrm>
+            <a:off x="1066800" y="17653"/>
+            <a:ext cx="10058400" cy="1609344"/>
+          </a:xfrm>
+        </p:spPr>
+        <p:txBody>
+          <a:bodyPr/>
+          <a:lstStyle/>
+          <a:p>
+            <a:r>
+              <a:rPr lang="en-US" dirty="0"/>
+              <a:t>System user interface (admin)</a:t>
+            </a:r>
+          </a:p>
+        </p:txBody>
+      </p:sp>
+      <p:pic>
+        <p:nvPicPr>
+          <p:cNvPr id="5" name="Content Placeholder 4">
+            <a:extLst>
+              <a:ext uri="{FF2B5EF4-FFF2-40B4-BE49-F238E27FC236}">
+                <a16:creationId xmlns:a16="http://schemas.microsoft.com/office/drawing/2014/main" id="{5670D402-6A8C-5B4B-A19D-BE07F322EF87}"/>
+              </a:ext>
+            </a:extLst>
+          </p:cNvPr>
+          <p:cNvPicPr>
+            <a:picLocks noGrp="1" noChangeAspect="1"/>
+          </p:cNvPicPr>
+          <p:nvPr>
+            <p:ph sz="quarter" idx="4"/>
+          </p:nvPr>
+        </p:nvPicPr>
+        <p:blipFill>
+          <a:blip r:embed="rId2"/>
+          <a:srcRect/>
+          <a:stretch/>
+        </p:blipFill>
+        <p:spPr>
+          <a:xfrm>
+            <a:off x="5344959" y="1075312"/>
+            <a:ext cx="5888348" cy="3539329"/>
+          </a:xfrm>
+        </p:spPr>
+      </p:pic>
+    </p:spTree>
+    <p:extLst>
+      <p:ext uri="{BB962C8B-B14F-4D97-AF65-F5344CB8AC3E}">
+        <p14:creationId xmlns:p14="http://schemas.microsoft.com/office/powerpoint/2010/main" val="80148873"/>
+      </p:ext>
+    </p:extLst>
+  </p:cSld>
+  <p:clrMapOvr>
+    <a:masterClrMapping/>
+  </p:clrMapOvr>
+</p:sld>
+</file>
+
+<file path=ppt/slides/slide15.xml><?xml version="1.0" encoding="utf-8"?>
+<p:sld xmlns:a="http://schemas.openxmlformats.org/drawingml/2006/main" xmlns:r="http://schemas.openxmlformats.org/officeDocument/2006/relationships" xmlns:p="http://schemas.openxmlformats.org/presentationml/2006/main">
+  <p:cSld>
+    <p:spTree>
+      <p:nvGrpSpPr>
+        <p:cNvPr id="1" name=""/>
+        <p:cNvGrpSpPr/>
+        <p:nvPr/>
+      </p:nvGrpSpPr>
+      <p:grpSpPr>
+        <a:xfrm>
+          <a:off x="0" y="0"/>
+          <a:ext cx="0" cy="0"/>
+          <a:chOff x="0" y="0"/>
+          <a:chExt cx="0" cy="0"/>
+        </a:xfrm>
+      </p:grpSpPr>
+      <p:sp>
+        <p:nvSpPr>
+          <p:cNvPr id="2" name="Text Placeholder 1">
+            <a:extLst>
+              <a:ext uri="{FF2B5EF4-FFF2-40B4-BE49-F238E27FC236}">
+                <a16:creationId xmlns:a16="http://schemas.microsoft.com/office/drawing/2014/main" id="{E94DABF4-1A1C-C940-A7FB-2FD61ED0A8DF}"/>
+              </a:ext>
+            </a:extLst>
+          </p:cNvPr>
+          <p:cNvSpPr>
+            <a:spLocks noGrp="1"/>
+          </p:cNvSpPr>
+          <p:nvPr>
+            <p:ph type="body" idx="1"/>
+          </p:nvPr>
+        </p:nvSpPr>
+        <p:spPr/>
+        <p:txBody>
+          <a:bodyPr>
+            <a:normAutofit/>
+          </a:bodyPr>
+          <a:lstStyle/>
+          <a:p>
+            <a:r>
+              <a:rPr lang="en-US" sz="2400" dirty="0"/>
+              <a:t>Student Data</a:t>
+            </a:r>
+          </a:p>
+        </p:txBody>
+      </p:sp>
+      <p:sp>
+        <p:nvSpPr>
+          <p:cNvPr id="3" name="Content Placeholder 2">
+            <a:extLst>
+              <a:ext uri="{FF2B5EF4-FFF2-40B4-BE49-F238E27FC236}">
+                <a16:creationId xmlns:a16="http://schemas.microsoft.com/office/drawing/2014/main" id="{F23ACF98-73C8-3740-B9B4-052395CE3DCB}"/>
+              </a:ext>
+            </a:extLst>
+          </p:cNvPr>
+          <p:cNvSpPr>
+            <a:spLocks noGrp="1"/>
+          </p:cNvSpPr>
+          <p:nvPr>
+            <p:ph sz="half" idx="2"/>
+          </p:nvPr>
+        </p:nvSpPr>
+        <p:spPr/>
+        <p:txBody>
+          <a:bodyPr/>
+          <a:lstStyle/>
+          <a:p>
+            <a:r>
+              <a:rPr lang="en-US" dirty="0"/>
+              <a:t>To update Student Data </a:t>
+            </a:r>
+          </a:p>
+          <a:p>
+            <a:r>
+              <a:rPr lang="en-US" dirty="0"/>
+              <a:t>Click on the Student </a:t>
+            </a:r>
+          </a:p>
+          <a:p>
+            <a:r>
+              <a:rPr lang="en-US" dirty="0"/>
+              <a:t>Edit Profile </a:t>
+            </a:r>
+          </a:p>
+          <a:p>
+            <a:pPr marL="0" indent="0">
+              <a:buNone/>
+            </a:pPr>
+            <a:endParaRPr lang="en-US" dirty="0"/>
+          </a:p>
+          <a:p>
+            <a:endParaRPr lang="en-US" dirty="0"/>
+          </a:p>
+        </p:txBody>
+      </p:sp>
+      <p:sp>
+        <p:nvSpPr>
+          <p:cNvPr id="6" name="Slide Number Placeholder 5">
+            <a:extLst>
+              <a:ext uri="{FF2B5EF4-FFF2-40B4-BE49-F238E27FC236}">
+                <a16:creationId xmlns:a16="http://schemas.microsoft.com/office/drawing/2014/main" id="{BF41046A-3E65-0C4B-A737-46DA32861465}"/>
+              </a:ext>
+            </a:extLst>
+          </p:cNvPr>
+          <p:cNvSpPr>
+            <a:spLocks noGrp="1"/>
+          </p:cNvSpPr>
+          <p:nvPr>
+            <p:ph type="sldNum" sz="quarter" idx="12"/>
+          </p:nvPr>
+        </p:nvSpPr>
+        <p:spPr/>
+        <p:txBody>
+          <a:bodyPr/>
+          <a:lstStyle/>
+          <a:p>
+            <a:fld id="{6D22F896-40B5-4ADD-8801-0D06FADFA095}" type="slidenum">
+              <a:rPr lang="en-US" smtClean="0"/>
+              <a:pPr/>
+              <a:t>15</a:t>
+            </a:fld>
+            <a:endParaRPr lang="en-US" dirty="0"/>
+          </a:p>
+        </p:txBody>
+      </p:sp>
+      <p:sp>
+        <p:nvSpPr>
+          <p:cNvPr id="7" name="Title 6">
+            <a:extLst>
+              <a:ext uri="{FF2B5EF4-FFF2-40B4-BE49-F238E27FC236}">
+                <a16:creationId xmlns:a16="http://schemas.microsoft.com/office/drawing/2014/main" id="{D7AF6004-5A40-B34B-A3EF-BB84FBC63940}"/>
+              </a:ext>
+            </a:extLst>
+          </p:cNvPr>
+          <p:cNvSpPr>
+            <a:spLocks noGrp="1"/>
+          </p:cNvSpPr>
+          <p:nvPr>
+            <p:ph type="title"/>
+          </p:nvPr>
+        </p:nvSpPr>
+        <p:spPr>
+          <a:xfrm>
+            <a:off x="1066800" y="17653"/>
+            <a:ext cx="10058400" cy="1609344"/>
+          </a:xfrm>
+        </p:spPr>
+        <p:txBody>
+          <a:bodyPr/>
+          <a:lstStyle/>
+          <a:p>
+            <a:r>
+              <a:rPr lang="en-US" dirty="0"/>
+              <a:t>System user interface (admin)</a:t>
+            </a:r>
+          </a:p>
+        </p:txBody>
+      </p:sp>
+      <p:pic>
+        <p:nvPicPr>
+          <p:cNvPr id="5" name="Content Placeholder 4">
+            <a:extLst>
+              <a:ext uri="{FF2B5EF4-FFF2-40B4-BE49-F238E27FC236}">
+                <a16:creationId xmlns:a16="http://schemas.microsoft.com/office/drawing/2014/main" id="{5670D402-6A8C-5B4B-A19D-BE07F322EF87}"/>
+              </a:ext>
+            </a:extLst>
+          </p:cNvPr>
+          <p:cNvPicPr>
+            <a:picLocks noGrp="1" noChangeAspect="1"/>
+          </p:cNvPicPr>
+          <p:nvPr>
+            <p:ph sz="quarter" idx="4"/>
+          </p:nvPr>
+        </p:nvPicPr>
+        <p:blipFill>
+          <a:blip r:embed="rId2"/>
+          <a:srcRect/>
+          <a:stretch/>
+        </p:blipFill>
+        <p:spPr>
+          <a:xfrm>
+            <a:off x="4144334" y="1523835"/>
+            <a:ext cx="4379496" cy="3539329"/>
+          </a:xfrm>
+        </p:spPr>
+      </p:pic>
+      <p:pic>
+        <p:nvPicPr>
+          <p:cNvPr id="10" name="Picture 9">
+            <a:extLst>
+              <a:ext uri="{FF2B5EF4-FFF2-40B4-BE49-F238E27FC236}">
+                <a16:creationId xmlns:a16="http://schemas.microsoft.com/office/drawing/2014/main" id="{C35D7BF8-0BE8-E447-B88E-80E31B567095}"/>
+              </a:ext>
+            </a:extLst>
+          </p:cNvPr>
+          <p:cNvPicPr>
+            <a:picLocks noChangeAspect="1"/>
+          </p:cNvPicPr>
+          <p:nvPr/>
+        </p:nvPicPr>
+        <p:blipFill>
+          <a:blip r:embed="rId3"/>
+          <a:stretch>
+            <a:fillRect/>
+          </a:stretch>
+        </p:blipFill>
+        <p:spPr>
+          <a:xfrm>
+            <a:off x="8706255" y="1429437"/>
+            <a:ext cx="3443748" cy="3530565"/>
+          </a:xfrm>
+          <a:prstGeom prst="rect">
+            <a:avLst/>
+          </a:prstGeom>
+        </p:spPr>
+      </p:pic>
+      <p:sp>
+        <p:nvSpPr>
+          <p:cNvPr id="4" name="TextBox 3">
+            <a:extLst>
+              <a:ext uri="{FF2B5EF4-FFF2-40B4-BE49-F238E27FC236}">
+                <a16:creationId xmlns:a16="http://schemas.microsoft.com/office/drawing/2014/main" id="{54F6E0B9-8014-3A46-BA37-07BB6FA4E28D}"/>
+              </a:ext>
+            </a:extLst>
+          </p:cNvPr>
+          <p:cNvSpPr txBox="1"/>
+          <p:nvPr/>
+        </p:nvSpPr>
+        <p:spPr>
+          <a:xfrm>
+            <a:off x="924127" y="5533036"/>
+            <a:ext cx="4379495" cy="369332"/>
+          </a:xfrm>
+          <a:prstGeom prst="rect">
+            <a:avLst/>
+          </a:prstGeom>
+          <a:noFill/>
+        </p:spPr>
+        <p:txBody>
+          <a:bodyPr wrap="square" rtlCol="0">
+            <a:spAutoFit/>
+          </a:bodyPr>
+          <a:lstStyle/>
+          <a:p>
+            <a:r>
+              <a:rPr lang="en-US" dirty="0"/>
+              <a:t>-All Tables in Project are Sortable Table. </a:t>
+            </a:r>
+          </a:p>
+        </p:txBody>
+      </p:sp>
+    </p:spTree>
+    <p:extLst>
+      <p:ext uri="{BB962C8B-B14F-4D97-AF65-F5344CB8AC3E}">
+        <p14:creationId xmlns:p14="http://schemas.microsoft.com/office/powerpoint/2010/main" val="356576354"/>
+      </p:ext>
+    </p:extLst>
+  </p:cSld>
+  <p:clrMapOvr>
+    <a:masterClrMapping/>
+  </p:clrMapOvr>
+</p:sld>
+</file>
+
+<file path=ppt/slides/slide16.xml><?xml version="1.0" encoding="utf-8"?>
+<p:sld xmlns:a="http://schemas.openxmlformats.org/drawingml/2006/main" xmlns:r="http://schemas.openxmlformats.org/officeDocument/2006/relationships" xmlns:p="http://schemas.openxmlformats.org/presentationml/2006/main">
+  <p:cSld>
+    <p:spTree>
+      <p:nvGrpSpPr>
+        <p:cNvPr id="1" name=""/>
+        <p:cNvGrpSpPr/>
+        <p:nvPr/>
+      </p:nvGrpSpPr>
+      <p:grpSpPr>
+        <a:xfrm>
+          <a:off x="0" y="0"/>
+          <a:ext cx="0" cy="0"/>
+          <a:chOff x="0" y="0"/>
+          <a:chExt cx="0" cy="0"/>
+        </a:xfrm>
+      </p:grpSpPr>
+      <p:sp>
+        <p:nvSpPr>
+          <p:cNvPr id="8" name="Title 7">
+            <a:extLst>
+              <a:ext uri="{FF2B5EF4-FFF2-40B4-BE49-F238E27FC236}">
+                <a16:creationId xmlns:a16="http://schemas.microsoft.com/office/drawing/2014/main" id="{DCBC1441-A84A-2041-B1D8-BAE135C6D938}"/>
+              </a:ext>
+            </a:extLst>
+          </p:cNvPr>
+          <p:cNvSpPr>
+            <a:spLocks noGrp="1"/>
+          </p:cNvSpPr>
+          <p:nvPr>
+            <p:ph type="ctrTitle"/>
+          </p:nvPr>
+        </p:nvSpPr>
+        <p:spPr/>
+        <p:txBody>
+          <a:bodyPr/>
+          <a:lstStyle/>
+          <a:p>
+            <a:r>
+              <a:rPr lang="en-US" dirty="0"/>
+              <a:t>      Thank you!!</a:t>
+            </a:r>
+          </a:p>
+        </p:txBody>
+      </p:sp>
+    </p:spTree>
+    <p:extLst>
+      <p:ext uri="{BB962C8B-B14F-4D97-AF65-F5344CB8AC3E}">
+        <p14:creationId xmlns:p14="http://schemas.microsoft.com/office/powerpoint/2010/main" val="2347792208"/>
+      </p:ext>
+    </p:extLst>
+  </p:cSld>
+  <p:clrMapOvr>
+    <a:masterClrMapping/>
+  </p:clrMapOvr>
+</p:sld>
+</file>
+
 <file path=ppt/slides/slide2.xml><?xml version="1.0" encoding="utf-8"?>
 <p:sld xmlns:a="http://schemas.openxmlformats.org/drawingml/2006/main" xmlns:r="http://schemas.openxmlformats.org/officeDocument/2006/relationships" xmlns:p="http://schemas.openxmlformats.org/presentationml/2006/main">
   <p:cSld>
@@ -6109,14 +7407,13 @@
         </p:nvPicPr>
         <p:blipFill>
           <a:blip r:embed="rId2"/>
-          <a:stretch>
-            <a:fillRect/>
-          </a:stretch>
+          <a:srcRect/>
+          <a:stretch/>
         </p:blipFill>
         <p:spPr>
           <a:xfrm>
-            <a:off x="7078533" y="1381109"/>
-            <a:ext cx="4043620" cy="4653931"/>
+            <a:off x="6096000" y="1643974"/>
+            <a:ext cx="5855208" cy="4628810"/>
           </a:xfrm>
         </p:spPr>
       </p:pic>
@@ -6148,7 +7445,7 @@
           <a:p>
             <a:r>
               <a:rPr lang="en-US" dirty="0"/>
-              <a:t>System user interface</a:t>
+              <a:t>System user interface ( Student) </a:t>
             </a:r>
           </a:p>
         </p:txBody>
@@ -6215,10 +7512,10 @@
       </p:grpSpPr>
       <p:sp>
         <p:nvSpPr>
-          <p:cNvPr id="2" name="Text Placeholder 1">
+          <p:cNvPr id="4" name="Text Placeholder 3">
             <a:extLst>
               <a:ext uri="{FF2B5EF4-FFF2-40B4-BE49-F238E27FC236}">
-                <a16:creationId xmlns:a16="http://schemas.microsoft.com/office/drawing/2014/main" id="{E94DABF4-1A1C-C940-A7FB-2FD61ED0A8DF}"/>
+                <a16:creationId xmlns:a16="http://schemas.microsoft.com/office/drawing/2014/main" id="{E7A30773-6AA5-BC4C-902F-76373C0422A2}"/>
               </a:ext>
             </a:extLst>
           </p:cNvPr>
@@ -6238,17 +7535,17 @@
           <a:p>
             <a:r>
               <a:rPr lang="en-US" sz="2400" dirty="0"/>
-              <a:t>ROOMS</a:t>
-            </a:r>
-          </a:p>
-        </p:txBody>
-      </p:sp>
-      <p:sp>
-        <p:nvSpPr>
-          <p:cNvPr id="3" name="Content Placeholder 2">
+              <a:t>Confirmation Form </a:t>
+            </a:r>
+          </a:p>
+        </p:txBody>
+      </p:sp>
+      <p:sp>
+        <p:nvSpPr>
+          <p:cNvPr id="5" name="Content Placeholder 4">
             <a:extLst>
               <a:ext uri="{FF2B5EF4-FFF2-40B4-BE49-F238E27FC236}">
-                <a16:creationId xmlns:a16="http://schemas.microsoft.com/office/drawing/2014/main" id="{F23ACF98-73C8-3740-B9B4-052395CE3DCB}"/>
+                <a16:creationId xmlns:a16="http://schemas.microsoft.com/office/drawing/2014/main" id="{C3672493-D80A-254E-86D3-3C1F2367222B}"/>
               </a:ext>
             </a:extLst>
           </p:cNvPr>
@@ -6264,40 +7561,115 @@
           <a:bodyPr/>
           <a:lstStyle/>
           <a:p>
+            <a:pPr marL="457200" indent="-457200">
+              <a:buFont typeface="+mj-lt"/>
+              <a:buAutoNum type="arabicPeriod"/>
+            </a:pPr>
             <a:r>
               <a:rPr lang="en-US" dirty="0"/>
-              <a:t>include checkboxes to record the presence of students</a:t>
-            </a:r>
-          </a:p>
-          <a:p>
-            <a:endParaRPr lang="en-US" dirty="0"/>
-          </a:p>
-          <a:p>
+              <a:t>When Student gets an mail from admin, student go to the confirmation form. </a:t>
+            </a:r>
+          </a:p>
+          <a:p>
+            <a:pPr marL="457200" indent="-457200">
+              <a:buFont typeface="+mj-lt"/>
+              <a:buAutoNum type="arabicPeriod"/>
+            </a:pPr>
             <a:r>
               <a:rPr lang="en-US" dirty="0"/>
-              <a:t>P =&gt; present</a:t>
-            </a:r>
-          </a:p>
-          <a:p>
+              <a:t>Setup for password </a:t>
+            </a:r>
+          </a:p>
+          <a:p>
+            <a:pPr marL="457200" indent="-457200">
+              <a:buFont typeface="+mj-lt"/>
+              <a:buAutoNum type="arabicPeriod"/>
+            </a:pPr>
             <a:r>
               <a:rPr lang="en-US" dirty="0"/>
-              <a:t>L =&gt; late</a:t>
-            </a:r>
-          </a:p>
-          <a:p>
+              <a:t>Get </a:t>
+            </a:r>
+            <a:r>
+              <a:rPr lang="en-US" dirty="0" err="1"/>
+              <a:t>RoomID</a:t>
+            </a:r>
             <a:r>
               <a:rPr lang="en-US" dirty="0"/>
-              <a:t>A =&gt; absent</a:t>
-            </a:r>
-          </a:p>
-        </p:txBody>
-      </p:sp>
-      <p:sp>
-        <p:nvSpPr>
-          <p:cNvPr id="6" name="Slide Number Placeholder 5">
+              <a:t> and login to Student Home page </a:t>
+            </a:r>
+          </a:p>
+          <a:p>
+            <a:endParaRPr lang="en-US" dirty="0"/>
+          </a:p>
+        </p:txBody>
+      </p:sp>
+      <p:pic>
+        <p:nvPicPr>
+          <p:cNvPr id="13" name="Content Placeholder 12">
             <a:extLst>
               <a:ext uri="{FF2B5EF4-FFF2-40B4-BE49-F238E27FC236}">
-                <a16:creationId xmlns:a16="http://schemas.microsoft.com/office/drawing/2014/main" id="{BF41046A-3E65-0C4B-A737-46DA32861465}"/>
+                <a16:creationId xmlns:a16="http://schemas.microsoft.com/office/drawing/2014/main" id="{EA1E72DA-B84B-DF4B-A6E4-4AECC7378199}"/>
+              </a:ext>
+            </a:extLst>
+          </p:cNvPr>
+          <p:cNvPicPr>
+            <a:picLocks noGrp="1" noChangeAspect="1"/>
+          </p:cNvPicPr>
+          <p:nvPr>
+            <p:ph sz="quarter" idx="4"/>
+          </p:nvPr>
+        </p:nvPicPr>
+        <p:blipFill>
+          <a:blip r:embed="rId2"/>
+          <a:srcRect/>
+          <a:stretch/>
+        </p:blipFill>
+        <p:spPr>
+          <a:xfrm>
+            <a:off x="6985696" y="1339193"/>
+            <a:ext cx="4325430" cy="1576624"/>
+          </a:xfrm>
+        </p:spPr>
+      </p:pic>
+      <p:sp>
+        <p:nvSpPr>
+          <p:cNvPr id="2" name="Title 1">
+            <a:extLst>
+              <a:ext uri="{FF2B5EF4-FFF2-40B4-BE49-F238E27FC236}">
+                <a16:creationId xmlns:a16="http://schemas.microsoft.com/office/drawing/2014/main" id="{ECF09597-173A-614E-A997-9F6F7947C783}"/>
+              </a:ext>
+            </a:extLst>
+          </p:cNvPr>
+          <p:cNvSpPr>
+            <a:spLocks noGrp="1"/>
+          </p:cNvSpPr>
+          <p:nvPr>
+            <p:ph type="title"/>
+          </p:nvPr>
+        </p:nvSpPr>
+        <p:spPr>
+          <a:xfrm>
+            <a:off x="1063752" y="183418"/>
+            <a:ext cx="10058400" cy="1609344"/>
+          </a:xfrm>
+        </p:spPr>
+        <p:txBody>
+          <a:bodyPr/>
+          <a:lstStyle/>
+          <a:p>
+            <a:r>
+              <a:rPr lang="en-US" dirty="0"/>
+              <a:t>System user interface ( Student) </a:t>
+            </a:r>
+          </a:p>
+        </p:txBody>
+      </p:sp>
+      <p:sp>
+        <p:nvSpPr>
+          <p:cNvPr id="11" name="Slide Number Placeholder 10">
+            <a:extLst>
+              <a:ext uri="{FF2B5EF4-FFF2-40B4-BE49-F238E27FC236}">
+                <a16:creationId xmlns:a16="http://schemas.microsoft.com/office/drawing/2014/main" id="{DCCCAD15-E91A-274A-B790-F64FA44A3D0C}"/>
               </a:ext>
             </a:extLst>
           </p:cNvPr>
@@ -6322,74 +7694,70 @@
           </a:p>
         </p:txBody>
       </p:sp>
-      <p:sp>
-        <p:nvSpPr>
-          <p:cNvPr id="7" name="Title 6">
+      <p:pic>
+        <p:nvPicPr>
+          <p:cNvPr id="6" name="Picture 5">
             <a:extLst>
               <a:ext uri="{FF2B5EF4-FFF2-40B4-BE49-F238E27FC236}">
-                <a16:creationId xmlns:a16="http://schemas.microsoft.com/office/drawing/2014/main" id="{D7AF6004-5A40-B34B-A3EF-BB84FBC63940}"/>
+                <a16:creationId xmlns:a16="http://schemas.microsoft.com/office/drawing/2014/main" id="{4B33E907-BBEE-F849-8A1C-4BD92D1B8EBD}"/>
               </a:ext>
             </a:extLst>
           </p:cNvPr>
-          <p:cNvSpPr>
-            <a:spLocks noGrp="1"/>
-          </p:cNvSpPr>
-          <p:nvPr>
-            <p:ph type="title"/>
-          </p:nvPr>
-        </p:nvSpPr>
+          <p:cNvPicPr>
+            <a:picLocks noChangeAspect="1"/>
+          </p:cNvPicPr>
+          <p:nvPr/>
+        </p:nvPicPr>
+        <p:blipFill>
+          <a:blip r:embed="rId3"/>
+          <a:stretch>
+            <a:fillRect/>
+          </a:stretch>
+        </p:blipFill>
         <p:spPr>
           <a:xfrm>
-            <a:off x="1066800" y="17653"/>
-            <a:ext cx="10058400" cy="1609344"/>
+            <a:off x="6985696" y="3318716"/>
+            <a:ext cx="4325430" cy="1831013"/>
           </a:xfrm>
+          <a:prstGeom prst="rect">
+            <a:avLst/>
+          </a:prstGeom>
         </p:spPr>
-        <p:txBody>
-          <a:bodyPr/>
-          <a:lstStyle/>
-          <a:p>
-            <a:r>
-              <a:rPr lang="en-US" dirty="0"/>
-              <a:t>System user interface</a:t>
-            </a:r>
-          </a:p>
-        </p:txBody>
-      </p:sp>
-      <p:sp>
-        <p:nvSpPr>
-          <p:cNvPr id="25" name="Content Placeholder 24">
+      </p:pic>
+      <p:pic>
+        <p:nvPicPr>
+          <p:cNvPr id="8" name="Picture 7">
             <a:extLst>
               <a:ext uri="{FF2B5EF4-FFF2-40B4-BE49-F238E27FC236}">
-                <a16:creationId xmlns:a16="http://schemas.microsoft.com/office/drawing/2014/main" id="{2130E4CF-DE36-1D47-BB49-9D6EDD6738BC}"/>
+                <a16:creationId xmlns:a16="http://schemas.microsoft.com/office/drawing/2014/main" id="{5C5A089B-A813-634C-B714-C165F772D2B8}"/>
               </a:ext>
             </a:extLst>
           </p:cNvPr>
-          <p:cNvSpPr>
-            <a:spLocks noGrp="1"/>
-          </p:cNvSpPr>
-          <p:nvPr>
-            <p:ph sz="quarter" idx="4"/>
-          </p:nvPr>
-        </p:nvSpPr>
-        <p:spPr/>
-        <p:txBody>
-          <a:bodyPr/>
-          <a:lstStyle/>
-          <a:p>
-            <a:pPr marL="0" indent="0">
-              <a:buNone/>
-            </a:pPr>
-            <a:r>
-              <a:rPr lang="en-US" dirty="0"/>
-              <a:t>(Insert a photo)</a:t>
-            </a:r>
-          </a:p>
-        </p:txBody>
-      </p:sp>
+          <p:cNvPicPr>
+            <a:picLocks noChangeAspect="1"/>
+          </p:cNvPicPr>
+          <p:nvPr/>
+        </p:nvPicPr>
+        <p:blipFill>
+          <a:blip r:embed="rId4"/>
+          <a:stretch>
+            <a:fillRect/>
+          </a:stretch>
+        </p:blipFill>
+        <p:spPr>
+          <a:xfrm>
+            <a:off x="6985696" y="5260096"/>
+            <a:ext cx="4325431" cy="1495493"/>
+          </a:xfrm>
+          <a:prstGeom prst="rect">
+            <a:avLst/>
+          </a:prstGeom>
+        </p:spPr>
+      </p:pic>
     </p:spTree>
     <p:extLst>
       <p:ext uri="{BB962C8B-B14F-4D97-AF65-F5344CB8AC3E}">
-        <p14:creationId xmlns:p14="http://schemas.microsoft.com/office/powerpoint/2010/main" val="3187580936"/>
+        <p14:creationId xmlns:p14="http://schemas.microsoft.com/office/powerpoint/2010/main" val="2741469045"/>
       </p:ext>
     </p:extLst>
   </p:cSld>
@@ -6418,10 +7786,10 @@
       </p:grpSpPr>
       <p:sp>
         <p:nvSpPr>
-          <p:cNvPr id="8" name="Title 7">
+          <p:cNvPr id="4" name="Text Placeholder 3">
             <a:extLst>
               <a:ext uri="{FF2B5EF4-FFF2-40B4-BE49-F238E27FC236}">
-                <a16:creationId xmlns:a16="http://schemas.microsoft.com/office/drawing/2014/main" id="{DCBC1441-A84A-2041-B1D8-BAE135C6D938}"/>
+                <a16:creationId xmlns:a16="http://schemas.microsoft.com/office/drawing/2014/main" id="{E7A30773-6AA5-BC4C-902F-76373C0422A2}"/>
               </a:ext>
             </a:extLst>
           </p:cNvPr>
@@ -6429,25 +7797,153 @@
             <a:spLocks noGrp="1"/>
           </p:cNvSpPr>
           <p:nvPr>
-            <p:ph type="ctrTitle"/>
+            <p:ph type="body" idx="1"/>
           </p:nvPr>
         </p:nvSpPr>
         <p:spPr/>
         <p:txBody>
+          <a:bodyPr>
+            <a:normAutofit/>
+          </a:bodyPr>
+          <a:lstStyle/>
+          <a:p>
+            <a:r>
+              <a:rPr lang="en-US" sz="2400" dirty="0"/>
+              <a:t>Student </a:t>
+            </a:r>
+          </a:p>
+        </p:txBody>
+      </p:sp>
+      <p:sp>
+        <p:nvSpPr>
+          <p:cNvPr id="5" name="Content Placeholder 4">
+            <a:extLst>
+              <a:ext uri="{FF2B5EF4-FFF2-40B4-BE49-F238E27FC236}">
+                <a16:creationId xmlns:a16="http://schemas.microsoft.com/office/drawing/2014/main" id="{C3672493-D80A-254E-86D3-3C1F2367222B}"/>
+              </a:ext>
+            </a:extLst>
+          </p:cNvPr>
+          <p:cNvSpPr>
+            <a:spLocks noGrp="1"/>
+          </p:cNvSpPr>
+          <p:nvPr>
+            <p:ph sz="half" idx="2"/>
+          </p:nvPr>
+        </p:nvSpPr>
+        <p:spPr/>
+        <p:txBody>
           <a:bodyPr/>
           <a:lstStyle/>
           <a:p>
             <a:r>
               <a:rPr lang="en-US" dirty="0"/>
-              <a:t>      Thank you!!</a:t>
-            </a:r>
-          </a:p>
-        </p:txBody>
-      </p:sp>
+              <a:t>Student can check attendance history. </a:t>
+            </a:r>
+          </a:p>
+          <a:p>
+            <a:r>
+              <a:rPr lang="en-US" dirty="0"/>
+              <a:t>Student can check bill history and amount which need to pay.  </a:t>
+            </a:r>
+          </a:p>
+        </p:txBody>
+      </p:sp>
+      <p:sp>
+        <p:nvSpPr>
+          <p:cNvPr id="2" name="Title 1">
+            <a:extLst>
+              <a:ext uri="{FF2B5EF4-FFF2-40B4-BE49-F238E27FC236}">
+                <a16:creationId xmlns:a16="http://schemas.microsoft.com/office/drawing/2014/main" id="{ECF09597-173A-614E-A997-9F6F7947C783}"/>
+              </a:ext>
+            </a:extLst>
+          </p:cNvPr>
+          <p:cNvSpPr>
+            <a:spLocks noGrp="1"/>
+          </p:cNvSpPr>
+          <p:nvPr>
+            <p:ph type="title"/>
+          </p:nvPr>
+        </p:nvSpPr>
+        <p:spPr>
+          <a:xfrm>
+            <a:off x="1063752" y="183418"/>
+            <a:ext cx="10058400" cy="1609344"/>
+          </a:xfrm>
+        </p:spPr>
+        <p:txBody>
+          <a:bodyPr/>
+          <a:lstStyle/>
+          <a:p>
+            <a:r>
+              <a:rPr lang="en-US" dirty="0"/>
+              <a:t>System user interface ( Student) </a:t>
+            </a:r>
+          </a:p>
+        </p:txBody>
+      </p:sp>
+      <p:sp>
+        <p:nvSpPr>
+          <p:cNvPr id="11" name="Slide Number Placeholder 10">
+            <a:extLst>
+              <a:ext uri="{FF2B5EF4-FFF2-40B4-BE49-F238E27FC236}">
+                <a16:creationId xmlns:a16="http://schemas.microsoft.com/office/drawing/2014/main" id="{DCCCAD15-E91A-274A-B790-F64FA44A3D0C}"/>
+              </a:ext>
+            </a:extLst>
+          </p:cNvPr>
+          <p:cNvSpPr>
+            <a:spLocks noGrp="1"/>
+          </p:cNvSpPr>
+          <p:nvPr>
+            <p:ph type="sldNum" sz="quarter" idx="12"/>
+          </p:nvPr>
+        </p:nvSpPr>
+        <p:spPr/>
+        <p:txBody>
+          <a:bodyPr/>
+          <a:lstStyle/>
+          <a:p>
+            <a:fld id="{6D22F896-40B5-4ADD-8801-0D06FADFA095}" type="slidenum">
+              <a:rPr lang="en-US" smtClean="0"/>
+              <a:pPr/>
+              <a:t>9</a:t>
+            </a:fld>
+            <a:endParaRPr lang="en-US" dirty="0"/>
+          </a:p>
+        </p:txBody>
+      </p:sp>
+      <p:pic>
+        <p:nvPicPr>
+          <p:cNvPr id="10" name="Content Placeholder 9">
+            <a:extLst>
+              <a:ext uri="{FF2B5EF4-FFF2-40B4-BE49-F238E27FC236}">
+                <a16:creationId xmlns:a16="http://schemas.microsoft.com/office/drawing/2014/main" id="{76451617-B32A-9840-924C-124719667770}"/>
+              </a:ext>
+            </a:extLst>
+          </p:cNvPr>
+          <p:cNvPicPr>
+            <a:picLocks noGrp="1" noChangeAspect="1"/>
+          </p:cNvPicPr>
+          <p:nvPr>
+            <p:ph sz="quarter" idx="4"/>
+          </p:nvPr>
+        </p:nvPicPr>
+        <p:blipFill>
+          <a:blip r:embed="rId2"/>
+          <a:stretch>
+            <a:fillRect/>
+          </a:stretch>
+        </p:blipFill>
+        <p:spPr>
+          <a:xfrm>
+            <a:off x="6092952" y="1792762"/>
+            <a:ext cx="5635625" cy="4173507"/>
+          </a:xfrm>
+        </p:spPr>
+      </p:pic>
     </p:spTree>
     <p:extLst>
       <p:ext uri="{BB962C8B-B14F-4D97-AF65-F5344CB8AC3E}">
-        <p14:creationId xmlns:p14="http://schemas.microsoft.com/office/powerpoint/2010/main" val="2347792208"/>
+        <p14:creationId xmlns:p14="http://schemas.microsoft.com/office/powerpoint/2010/main" val="1101746609"/>
       </p:ext>
     </p:extLst>
   </p:cSld>
